--- a/Q3/553_Experimental_Design/553 CUPED Presentation .pptx
+++ b/Q3/553_Experimental_Design/553 CUPED Presentation .pptx
@@ -7,12 +7,12 @@
   <p:sldIdLst>
     <p:sldId id="256" r:id="rId2"/>
     <p:sldId id="259" r:id="rId3"/>
-    <p:sldId id="257" r:id="rId4"/>
-    <p:sldId id="262" r:id="rId5"/>
-    <p:sldId id="260" r:id="rId6"/>
-    <p:sldId id="261" r:id="rId7"/>
-    <p:sldId id="263" r:id="rId8"/>
-    <p:sldId id="265" r:id="rId9"/>
+    <p:sldId id="263" r:id="rId4"/>
+    <p:sldId id="257" r:id="rId5"/>
+    <p:sldId id="262" r:id="rId6"/>
+    <p:sldId id="260" r:id="rId7"/>
+    <p:sldId id="265" r:id="rId8"/>
+    <p:sldId id="261" r:id="rId9"/>
     <p:sldId id="266" r:id="rId10"/>
     <p:sldId id="267" r:id="rId11"/>
   </p:sldIdLst>
@@ -113,6 +113,11 @@
       </a:defRPr>
     </a:lvl9pPr>
   </p:defaultTextStyle>
+  <p:extLst>
+    <p:ext uri="{EFAFB233-063F-42B5-8137-9DF3F51BA10A}">
+      <p15:sldGuideLst xmlns:p15="http://schemas.microsoft.com/office/powerpoint/2012/main"/>
+    </p:ext>
+  </p:extLst>
 </p:presentation>
 </file>
 
@@ -263,7 +268,7 @@
           <a:p>
             <a:fld id="{1483F069-6649-9C4E-BA02-FC86A78293A0}" type="datetimeFigureOut">
               <a:rPr lang="en-US" smtClean="0"/>
-              <a:t>3/3/25</a:t>
+              <a:t>3/5/25</a:t>
             </a:fld>
             <a:endParaRPr lang="en-US"/>
           </a:p>
@@ -461,7 +466,7 @@
           <a:p>
             <a:fld id="{1483F069-6649-9C4E-BA02-FC86A78293A0}" type="datetimeFigureOut">
               <a:rPr lang="en-US" smtClean="0"/>
-              <a:t>3/3/25</a:t>
+              <a:t>3/5/25</a:t>
             </a:fld>
             <a:endParaRPr lang="en-US"/>
           </a:p>
@@ -669,7 +674,7 @@
           <a:p>
             <a:fld id="{1483F069-6649-9C4E-BA02-FC86A78293A0}" type="datetimeFigureOut">
               <a:rPr lang="en-US" smtClean="0"/>
-              <a:t>3/3/25</a:t>
+              <a:t>3/5/25</a:t>
             </a:fld>
             <a:endParaRPr lang="en-US"/>
           </a:p>
@@ -867,7 +872,7 @@
           <a:p>
             <a:fld id="{1483F069-6649-9C4E-BA02-FC86A78293A0}" type="datetimeFigureOut">
               <a:rPr lang="en-US" smtClean="0"/>
-              <a:t>3/3/25</a:t>
+              <a:t>3/5/25</a:t>
             </a:fld>
             <a:endParaRPr lang="en-US"/>
           </a:p>
@@ -1142,7 +1147,7 @@
           <a:p>
             <a:fld id="{1483F069-6649-9C4E-BA02-FC86A78293A0}" type="datetimeFigureOut">
               <a:rPr lang="en-US" smtClean="0"/>
-              <a:t>3/3/25</a:t>
+              <a:t>3/5/25</a:t>
             </a:fld>
             <a:endParaRPr lang="en-US"/>
           </a:p>
@@ -1407,7 +1412,7 @@
           <a:p>
             <a:fld id="{1483F069-6649-9C4E-BA02-FC86A78293A0}" type="datetimeFigureOut">
               <a:rPr lang="en-US" smtClean="0"/>
-              <a:t>3/3/25</a:t>
+              <a:t>3/5/25</a:t>
             </a:fld>
             <a:endParaRPr lang="en-US"/>
           </a:p>
@@ -1819,7 +1824,7 @@
           <a:p>
             <a:fld id="{1483F069-6649-9C4E-BA02-FC86A78293A0}" type="datetimeFigureOut">
               <a:rPr lang="en-US" smtClean="0"/>
-              <a:t>3/3/25</a:t>
+              <a:t>3/5/25</a:t>
             </a:fld>
             <a:endParaRPr lang="en-US"/>
           </a:p>
@@ -1960,7 +1965,7 @@
           <a:p>
             <a:fld id="{1483F069-6649-9C4E-BA02-FC86A78293A0}" type="datetimeFigureOut">
               <a:rPr lang="en-US" smtClean="0"/>
-              <a:t>3/3/25</a:t>
+              <a:t>3/5/25</a:t>
             </a:fld>
             <a:endParaRPr lang="en-US"/>
           </a:p>
@@ -2073,7 +2078,7 @@
           <a:p>
             <a:fld id="{1483F069-6649-9C4E-BA02-FC86A78293A0}" type="datetimeFigureOut">
               <a:rPr lang="en-US" smtClean="0"/>
-              <a:t>3/3/25</a:t>
+              <a:t>3/5/25</a:t>
             </a:fld>
             <a:endParaRPr lang="en-US"/>
           </a:p>
@@ -2384,7 +2389,7 @@
           <a:p>
             <a:fld id="{1483F069-6649-9C4E-BA02-FC86A78293A0}" type="datetimeFigureOut">
               <a:rPr lang="en-US" smtClean="0"/>
-              <a:t>3/3/25</a:t>
+              <a:t>3/5/25</a:t>
             </a:fld>
             <a:endParaRPr lang="en-US"/>
           </a:p>
@@ -2672,7 +2677,7 @@
           <a:p>
             <a:fld id="{1483F069-6649-9C4E-BA02-FC86A78293A0}" type="datetimeFigureOut">
               <a:rPr lang="en-US" smtClean="0"/>
-              <a:t>3/3/25</a:t>
+              <a:t>3/5/25</a:t>
             </a:fld>
             <a:endParaRPr lang="en-US"/>
           </a:p>
@@ -2913,7 +2918,7 @@
           <a:p>
             <a:fld id="{1483F069-6649-9C4E-BA02-FC86A78293A0}" type="datetimeFigureOut">
               <a:rPr lang="en-US" smtClean="0"/>
-              <a:t>3/3/25</a:t>
+              <a:t>3/5/25</a:t>
             </a:fld>
             <a:endParaRPr lang="en-US"/>
           </a:p>
@@ -4461,6 +4466,133 @@
           <p:cNvPr id="2" name="Title 1">
             <a:extLst>
               <a:ext uri="{FF2B5EF4-FFF2-40B4-BE49-F238E27FC236}">
+                <a16:creationId xmlns:a16="http://schemas.microsoft.com/office/drawing/2014/main" id="{FF09476C-CC29-2DBE-4B6B-C40E91D4ED0A}"/>
+              </a:ext>
+            </a:extLst>
+          </p:cNvPr>
+          <p:cNvSpPr>
+            <a:spLocks noGrp="1"/>
+          </p:cNvSpPr>
+          <p:nvPr>
+            <p:ph type="title"/>
+          </p:nvPr>
+        </p:nvSpPr>
+        <p:spPr>
+          <a:xfrm>
+            <a:off x="499996" y="364800"/>
+            <a:ext cx="11249417" cy="837700"/>
+          </a:xfrm>
+        </p:spPr>
+        <p:txBody>
+          <a:bodyPr>
+            <a:normAutofit fontScale="90000"/>
+          </a:bodyPr>
+          <a:lstStyle/>
+          <a:p>
+            <a:r>
+              <a:rPr lang="en-US" sz="3600" dirty="0"/>
+              <a:t>Controlling for Covariates decreases variance and increases power</a:t>
+            </a:r>
+            <a:endParaRPr lang="en-US" dirty="0"/>
+          </a:p>
+        </p:txBody>
+      </p:sp>
+      <p:pic>
+        <p:nvPicPr>
+          <p:cNvPr id="12" name="Picture 11">
+            <a:extLst>
+              <a:ext uri="{FF2B5EF4-FFF2-40B4-BE49-F238E27FC236}">
+                <a16:creationId xmlns:a16="http://schemas.microsoft.com/office/drawing/2014/main" id="{6D2668A4-96D2-4C2C-01CB-C250373ABB76}"/>
+              </a:ext>
+            </a:extLst>
+          </p:cNvPr>
+          <p:cNvPicPr>
+            <a:picLocks noChangeAspect="1"/>
+          </p:cNvPicPr>
+          <p:nvPr/>
+        </p:nvPicPr>
+        <p:blipFill>
+          <a:blip r:embed="rId2"/>
+          <a:stretch>
+            <a:fillRect/>
+          </a:stretch>
+        </p:blipFill>
+        <p:spPr>
+          <a:xfrm>
+            <a:off x="1116531" y="1867603"/>
+            <a:ext cx="9791371" cy="3801677"/>
+          </a:xfrm>
+          <a:prstGeom prst="rect">
+            <a:avLst/>
+          </a:prstGeom>
+        </p:spPr>
+      </p:pic>
+      <p:pic>
+        <p:nvPicPr>
+          <p:cNvPr id="5" name="Content Placeholder 5">
+            <a:extLst>
+              <a:ext uri="{FF2B5EF4-FFF2-40B4-BE49-F238E27FC236}">
+                <a16:creationId xmlns:a16="http://schemas.microsoft.com/office/drawing/2014/main" id="{A641E2B5-BCAD-FEAC-D5FF-BD6779D56877}"/>
+              </a:ext>
+            </a:extLst>
+          </p:cNvPr>
+          <p:cNvPicPr>
+            <a:picLocks noGrp="1" noChangeAspect="1"/>
+          </p:cNvPicPr>
+          <p:nvPr>
+            <p:ph idx="1"/>
+          </p:nvPr>
+        </p:nvPicPr>
+        <p:blipFill>
+          <a:blip r:embed="rId3"/>
+          <a:srcRect l="6740"/>
+          <a:stretch/>
+        </p:blipFill>
+        <p:spPr>
+          <a:xfrm>
+            <a:off x="622382" y="1111718"/>
+            <a:ext cx="3545581" cy="676598"/>
+          </a:xfrm>
+          <a:prstGeom prst="rect">
+            <a:avLst/>
+          </a:prstGeom>
+        </p:spPr>
+      </p:pic>
+    </p:spTree>
+    <p:extLst>
+      <p:ext uri="{BB962C8B-B14F-4D97-AF65-F5344CB8AC3E}">
+        <p14:creationId xmlns:p14="http://schemas.microsoft.com/office/powerpoint/2010/main" val="1339343577"/>
+      </p:ext>
+    </p:extLst>
+  </p:cSld>
+  <p:clrMapOvr>
+    <a:masterClrMapping/>
+  </p:clrMapOvr>
+</p:sld>
+</file>
+
+<file path=ppt/slides/slide4.xml><?xml version="1.0" encoding="utf-8"?>
+<p:sld xmlns:a="http://schemas.openxmlformats.org/drawingml/2006/main" xmlns:r="http://schemas.openxmlformats.org/officeDocument/2006/relationships" xmlns:p="http://schemas.openxmlformats.org/presentationml/2006/main">
+  <p:cSld>
+    <p:spTree>
+      <p:nvGrpSpPr>
+        <p:cNvPr id="1" name=""/>
+        <p:cNvGrpSpPr/>
+        <p:nvPr/>
+      </p:nvGrpSpPr>
+      <p:grpSpPr>
+        <a:xfrm>
+          <a:off x="0" y="0"/>
+          <a:ext cx="0" cy="0"/>
+          <a:chOff x="0" y="0"/>
+          <a:chExt cx="0" cy="0"/>
+        </a:xfrm>
+      </p:grpSpPr>
+      <p:sp>
+        <p:nvSpPr>
+          <p:cNvPr id="2" name="Title 1">
+            <a:extLst>
+              <a:ext uri="{FF2B5EF4-FFF2-40B4-BE49-F238E27FC236}">
                 <a16:creationId xmlns:a16="http://schemas.microsoft.com/office/drawing/2014/main" id="{120D3646-0665-1877-DB7B-81C8697F1633}"/>
               </a:ext>
             </a:extLst>
@@ -4880,7 +5012,7 @@
 </p:sld>
 </file>
 
-<file path=ppt/slides/slide4.xml><?xml version="1.0" encoding="utf-8"?>
+<file path=ppt/slides/slide5.xml><?xml version="1.0" encoding="utf-8"?>
 <p:sld xmlns:a="http://schemas.openxmlformats.org/drawingml/2006/main" xmlns:r="http://schemas.openxmlformats.org/officeDocument/2006/relationships" xmlns:p="http://schemas.openxmlformats.org/presentationml/2006/main">
   <p:cSld>
     <p:spTree>
@@ -5140,7 +5272,7 @@
 </p:sld>
 </file>
 
-<file path=ppt/slides/slide5.xml><?xml version="1.0" encoding="utf-8"?>
+<file path=ppt/slides/slide6.xml><?xml version="1.0" encoding="utf-8"?>
 <p:sld xmlns:a="http://schemas.openxmlformats.org/drawingml/2006/main" xmlns:r="http://schemas.openxmlformats.org/officeDocument/2006/relationships" xmlns:p="http://schemas.openxmlformats.org/presentationml/2006/main">
   <p:cSld>
     <p:spTree>
@@ -5241,7 +5373,7 @@
             </a:pPr>
             <a:r>
               <a:rPr lang="en-US" sz="2200" dirty="0"/>
-              <a:t>2. Adjust the metric using the CUPED formula.</a:t>
+              <a:t>2.  Adjust the metric using the CUPED formula.</a:t>
             </a:r>
           </a:p>
           <a:p>
@@ -5256,7 +5388,7 @@
             </a:pPr>
             <a:r>
               <a:rPr lang="en-US" sz="2200" dirty="0"/>
-              <a:t>3. Perform subsequent analysis on the adjusted metric.</a:t>
+              <a:t>3.  Perform subsequent analysis on the adjusted metric.</a:t>
             </a:r>
           </a:p>
         </p:txBody>
@@ -5333,7 +5465,70 @@
 </p:sld>
 </file>
 
-<file path=ppt/slides/slide6.xml><?xml version="1.0" encoding="utf-8"?>
+<file path=ppt/slides/slide7.xml><?xml version="1.0" encoding="utf-8"?>
+<p:sld xmlns:a="http://schemas.openxmlformats.org/drawingml/2006/main" xmlns:r="http://schemas.openxmlformats.org/officeDocument/2006/relationships" xmlns:p="http://schemas.openxmlformats.org/presentationml/2006/main">
+  <p:cSld>
+    <p:spTree>
+      <p:nvGrpSpPr>
+        <p:cNvPr id="1" name=""/>
+        <p:cNvGrpSpPr/>
+        <p:nvPr/>
+      </p:nvGrpSpPr>
+      <p:grpSpPr>
+        <a:xfrm>
+          <a:off x="0" y="0"/>
+          <a:ext cx="0" cy="0"/>
+          <a:chOff x="0" y="0"/>
+          <a:chExt cx="0" cy="0"/>
+        </a:xfrm>
+      </p:grpSpPr>
+      <p:sp>
+        <p:nvSpPr>
+          <p:cNvPr id="2" name="Title 1">
+            <a:extLst>
+              <a:ext uri="{FF2B5EF4-FFF2-40B4-BE49-F238E27FC236}">
+                <a16:creationId xmlns:a16="http://schemas.microsoft.com/office/drawing/2014/main" id="{7E9C1775-82E0-B7F5-F590-1B54016952B9}"/>
+              </a:ext>
+            </a:extLst>
+          </p:cNvPr>
+          <p:cNvSpPr>
+            <a:spLocks noGrp="1"/>
+          </p:cNvSpPr>
+          <p:nvPr>
+            <p:ph type="title"/>
+          </p:nvPr>
+        </p:nvSpPr>
+        <p:spPr>
+          <a:xfrm>
+            <a:off x="4782312" y="2477389"/>
+            <a:ext cx="2627376" cy="1325563"/>
+          </a:xfrm>
+        </p:spPr>
+        <p:txBody>
+          <a:bodyPr/>
+          <a:lstStyle/>
+          <a:p>
+            <a:r>
+              <a:rPr lang="en-US" dirty="0"/>
+              <a:t>Appendix</a:t>
+            </a:r>
+          </a:p>
+        </p:txBody>
+      </p:sp>
+    </p:spTree>
+    <p:extLst>
+      <p:ext uri="{BB962C8B-B14F-4D97-AF65-F5344CB8AC3E}">
+        <p14:creationId xmlns:p14="http://schemas.microsoft.com/office/powerpoint/2010/main" val="2753988274"/>
+      </p:ext>
+    </p:extLst>
+  </p:cSld>
+  <p:clrMapOvr>
+    <a:masterClrMapping/>
+  </p:clrMapOvr>
+</p:sld>
+</file>
+
+<file path=ppt/slides/slide8.xml><?xml version="1.0" encoding="utf-8"?>
 <p:sld xmlns:a="http://schemas.openxmlformats.org/drawingml/2006/main" xmlns:r="http://schemas.openxmlformats.org/officeDocument/2006/relationships" xmlns:p="http://schemas.openxmlformats.org/presentationml/2006/main">
   <p:cSld>
     <p:spTree>
@@ -5458,219 +5653,6 @@
 </p:sld>
 </file>
 
-<file path=ppt/slides/slide7.xml><?xml version="1.0" encoding="utf-8"?>
-<p:sld xmlns:a="http://schemas.openxmlformats.org/drawingml/2006/main" xmlns:r="http://schemas.openxmlformats.org/officeDocument/2006/relationships" xmlns:p="http://schemas.openxmlformats.org/presentationml/2006/main">
-  <p:cSld>
-    <p:spTree>
-      <p:nvGrpSpPr>
-        <p:cNvPr id="1" name=""/>
-        <p:cNvGrpSpPr/>
-        <p:nvPr/>
-      </p:nvGrpSpPr>
-      <p:grpSpPr>
-        <a:xfrm>
-          <a:off x="0" y="0"/>
-          <a:ext cx="0" cy="0"/>
-          <a:chOff x="0" y="0"/>
-          <a:chExt cx="0" cy="0"/>
-        </a:xfrm>
-      </p:grpSpPr>
-      <p:sp>
-        <p:nvSpPr>
-          <p:cNvPr id="2" name="Title 1">
-            <a:extLst>
-              <a:ext uri="{FF2B5EF4-FFF2-40B4-BE49-F238E27FC236}">
-                <a16:creationId xmlns:a16="http://schemas.microsoft.com/office/drawing/2014/main" id="{FF09476C-CC29-2DBE-4B6B-C40E91D4ED0A}"/>
-              </a:ext>
-            </a:extLst>
-          </p:cNvPr>
-          <p:cNvSpPr>
-            <a:spLocks noGrp="1"/>
-          </p:cNvSpPr>
-          <p:nvPr>
-            <p:ph type="title"/>
-          </p:nvPr>
-        </p:nvSpPr>
-        <p:spPr>
-          <a:xfrm>
-            <a:off x="499996" y="364800"/>
-            <a:ext cx="11249417" cy="837700"/>
-          </a:xfrm>
-        </p:spPr>
-        <p:txBody>
-          <a:bodyPr>
-            <a:normAutofit fontScale="90000"/>
-          </a:bodyPr>
-          <a:lstStyle/>
-          <a:p>
-            <a:r>
-              <a:rPr lang="en-US" sz="3600" dirty="0"/>
-              <a:t>Controlling for Covariates decreases variance and increases power</a:t>
-            </a:r>
-            <a:endParaRPr lang="en-US" dirty="0"/>
-          </a:p>
-        </p:txBody>
-      </p:sp>
-      <p:pic>
-        <p:nvPicPr>
-          <p:cNvPr id="12" name="Picture 11">
-            <a:extLst>
-              <a:ext uri="{FF2B5EF4-FFF2-40B4-BE49-F238E27FC236}">
-                <a16:creationId xmlns:a16="http://schemas.microsoft.com/office/drawing/2014/main" id="{6D2668A4-96D2-4C2C-01CB-C250373ABB76}"/>
-              </a:ext>
-            </a:extLst>
-          </p:cNvPr>
-          <p:cNvPicPr>
-            <a:picLocks noChangeAspect="1"/>
-          </p:cNvPicPr>
-          <p:nvPr/>
-        </p:nvPicPr>
-        <p:blipFill>
-          <a:blip r:embed="rId2"/>
-          <a:stretch>
-            <a:fillRect/>
-          </a:stretch>
-        </p:blipFill>
-        <p:spPr>
-          <a:xfrm>
-            <a:off x="644047" y="1843912"/>
-            <a:ext cx="9830347" cy="3816810"/>
-          </a:xfrm>
-          <a:prstGeom prst="rect">
-            <a:avLst/>
-          </a:prstGeom>
-        </p:spPr>
-      </p:pic>
-      <p:sp>
-        <p:nvSpPr>
-          <p:cNvPr id="13" name="Title 1">
-            <a:extLst>
-              <a:ext uri="{FF2B5EF4-FFF2-40B4-BE49-F238E27FC236}">
-                <a16:creationId xmlns:a16="http://schemas.microsoft.com/office/drawing/2014/main" id="{48DA6FE2-30C2-888A-3B73-AB826AD6786B}"/>
-              </a:ext>
-            </a:extLst>
-          </p:cNvPr>
-          <p:cNvSpPr txBox="1">
-            <a:spLocks/>
-          </p:cNvSpPr>
-          <p:nvPr/>
-        </p:nvSpPr>
-        <p:spPr>
-          <a:xfrm>
-            <a:off x="644047" y="1620508"/>
-            <a:ext cx="2712928" cy="446807"/>
-          </a:xfrm>
-          <a:prstGeom prst="rect">
-            <a:avLst/>
-          </a:prstGeom>
-        </p:spPr>
-        <p:txBody>
-          <a:bodyPr vert="horz" lIns="91440" tIns="45720" rIns="91440" bIns="45720" rtlCol="0" anchor="ctr">
-            <a:normAutofit/>
-          </a:bodyPr>
-          <a:lstStyle>
-            <a:lvl1pPr algn="l" defTabSz="914400" rtl="0" eaLnBrk="1" latinLnBrk="0" hangingPunct="1">
-              <a:lnSpc>
-                <a:spcPct val="90000"/>
-              </a:lnSpc>
-              <a:spcBef>
-                <a:spcPct val="0"/>
-              </a:spcBef>
-              <a:buNone/>
-              <a:defRPr sz="4400" kern="1200">
-                <a:solidFill>
-                  <a:schemeClr val="tx1"/>
-                </a:solidFill>
-                <a:latin typeface="+mj-lt"/>
-                <a:ea typeface="+mj-ea"/>
-                <a:cs typeface="+mj-cs"/>
-              </a:defRPr>
-            </a:lvl1pPr>
-          </a:lstStyle>
-          <a:p>
-            <a:r>
-              <a:rPr lang="en-US" sz="1800" dirty="0"/>
-              <a:t>(effect increased to 20)</a:t>
-            </a:r>
-          </a:p>
-        </p:txBody>
-      </p:sp>
-    </p:spTree>
-    <p:extLst>
-      <p:ext uri="{BB962C8B-B14F-4D97-AF65-F5344CB8AC3E}">
-        <p14:creationId xmlns:p14="http://schemas.microsoft.com/office/powerpoint/2010/main" val="1339343577"/>
-      </p:ext>
-    </p:extLst>
-  </p:cSld>
-  <p:clrMapOvr>
-    <a:masterClrMapping/>
-  </p:clrMapOvr>
-</p:sld>
-</file>
-
-<file path=ppt/slides/slide8.xml><?xml version="1.0" encoding="utf-8"?>
-<p:sld xmlns:a="http://schemas.openxmlformats.org/drawingml/2006/main" xmlns:r="http://schemas.openxmlformats.org/officeDocument/2006/relationships" xmlns:p="http://schemas.openxmlformats.org/presentationml/2006/main">
-  <p:cSld>
-    <p:spTree>
-      <p:nvGrpSpPr>
-        <p:cNvPr id="1" name=""/>
-        <p:cNvGrpSpPr/>
-        <p:nvPr/>
-      </p:nvGrpSpPr>
-      <p:grpSpPr>
-        <a:xfrm>
-          <a:off x="0" y="0"/>
-          <a:ext cx="0" cy="0"/>
-          <a:chOff x="0" y="0"/>
-          <a:chExt cx="0" cy="0"/>
-        </a:xfrm>
-      </p:grpSpPr>
-      <p:sp>
-        <p:nvSpPr>
-          <p:cNvPr id="2" name="Title 1">
-            <a:extLst>
-              <a:ext uri="{FF2B5EF4-FFF2-40B4-BE49-F238E27FC236}">
-                <a16:creationId xmlns:a16="http://schemas.microsoft.com/office/drawing/2014/main" id="{7E9C1775-82E0-B7F5-F590-1B54016952B9}"/>
-              </a:ext>
-            </a:extLst>
-          </p:cNvPr>
-          <p:cNvSpPr>
-            <a:spLocks noGrp="1"/>
-          </p:cNvSpPr>
-          <p:nvPr>
-            <p:ph type="title"/>
-          </p:nvPr>
-        </p:nvSpPr>
-        <p:spPr>
-          <a:xfrm>
-            <a:off x="4782312" y="2477389"/>
-            <a:ext cx="2627376" cy="1325563"/>
-          </a:xfrm>
-        </p:spPr>
-        <p:txBody>
-          <a:bodyPr/>
-          <a:lstStyle/>
-          <a:p>
-            <a:r>
-              <a:rPr lang="en-US" dirty="0"/>
-              <a:t>Appendix</a:t>
-            </a:r>
-          </a:p>
-        </p:txBody>
-      </p:sp>
-    </p:spTree>
-    <p:extLst>
-      <p:ext uri="{BB962C8B-B14F-4D97-AF65-F5344CB8AC3E}">
-        <p14:creationId xmlns:p14="http://schemas.microsoft.com/office/powerpoint/2010/main" val="2753988274"/>
-      </p:ext>
-    </p:extLst>
-  </p:cSld>
-  <p:clrMapOvr>
-    <a:masterClrMapping/>
-  </p:clrMapOvr>
-</p:sld>
-</file>
-
 <file path=ppt/slides/slide9.xml><?xml version="1.0" encoding="utf-8"?>
 <p:sld xmlns:a="http://schemas.openxmlformats.org/drawingml/2006/main" xmlns:r="http://schemas.openxmlformats.org/officeDocument/2006/relationships" xmlns:p="http://schemas.openxmlformats.org/presentationml/2006/main">
   <p:cSld>
@@ -5738,7 +5720,7 @@
         </p:blipFill>
         <p:spPr>
           <a:xfrm>
-            <a:off x="3903162" y="1523825"/>
+            <a:off x="3960914" y="1523825"/>
             <a:ext cx="3950658" cy="4969050"/>
           </a:xfrm>
           <a:prstGeom prst="rect">
